--- a/Разрез как смысл.pptx
+++ b/Разрез как смысл.pptx
@@ -7232,7 +7232,25 @@
                 </a:solidFill>
                 <a:latin typeface="Kankin" panose="02000506000000020004" pitchFamily="2" charset="0"/>
               </a:rPr>
-              <a:t>Мне стало интересно узнать о том как работает гильотина и сделать её модель.</a:t>
+              <a:t>Мне стало интересно узнать о том как работает гильотина и материаловедение. В дальнейшем в этой сфере я сделаю модель сплавление металлов потом </a:t>
+            </a:r>
+            <a:r>
+              <a:rPr lang="ru-RU" sz="2400">
+                <a:solidFill>
+                  <a:schemeClr val="tx1"/>
+                </a:solidFill>
+                <a:latin typeface="Kankin" panose="02000506000000020004" pitchFamily="2" charset="0"/>
+              </a:rPr>
+              <a:t>буду проверять их </a:t>
+            </a:r>
+            <a:r>
+              <a:rPr lang="ru-RU" sz="2400" dirty="0">
+                <a:solidFill>
+                  <a:schemeClr val="tx1"/>
+                </a:solidFill>
+                <a:latin typeface="Kankin" panose="02000506000000020004" pitchFamily="2" charset="0"/>
+              </a:rPr>
+              <a:t>на своей гильотине.</a:t>
             </a:r>
           </a:p>
         </p:txBody>
